--- a/temp_files/presentation.pptx
+++ b/temp_files/presentation.pptx
@@ -6,10 +6,6 @@
   </p:sldMasterIdLst>
   <p:sldIdLst>
     <p:sldId id="256" r:id="rId7"/>
-    <p:sldId id="257" r:id="rId8"/>
-    <p:sldId id="258" r:id="rId9"/>
-    <p:sldId id="259" r:id="rId10"/>
-    <p:sldId id="260" r:id="rId11"/>
   </p:sldIdLst>
   <p:sldSz cx="12191695" cy="6858000" type="screen4x3"/>
   <p:notesSz cx="6858000" cy="9144000"/>
@@ -3099,7 +3095,7 @@
             <a:spLocks noGrp="1"/>
           </p:cNvSpPr>
           <p:nvPr>
-            <p:ph type="ctrTitle"/>
+            <p:ph type="title"/>
           </p:nvPr>
         </p:nvSpPr>
         <p:spPr/>
@@ -3115,70 +3111,7 @@
               </a:defRPr>
             </a:pPr>
             <a:r>
-              <a:t>Introduction to the Hertz Chair for AI and Neuroscience</a:t>
-            </a:r>
-          </a:p>
-        </p:txBody>
-      </p:sp>
-      <p:sp>
-        <p:nvSpPr>
-          <p:cNvPr id="3" name="Subtitle 2"/>
-          <p:cNvSpPr>
-            <a:spLocks noGrp="1"/>
-          </p:cNvSpPr>
-          <p:nvPr>
-            <p:ph type="subTitle" idx="1"/>
-          </p:nvPr>
-        </p:nvSpPr>
-        <p:spPr/>
-        <p:txBody>
-          <a:bodyPr/>
-          <a:lstStyle/>
-          <a:p/>
-        </p:txBody>
-      </p:sp>
-    </p:spTree>
-  </p:cSld>
-  <p:clrMapOvr>
-    <a:masterClrMapping/>
-  </p:clrMapOvr>
-</p:sld>
-</file>
-
-<file path=ppt/slides/slide2.xml><?xml version="1.0" encoding="utf-8"?>
-<p:sld xmlns:a="http://schemas.openxmlformats.org/drawingml/2006/main" xmlns:p="http://schemas.openxmlformats.org/presentationml/2006/main" xmlns:r="http://schemas.openxmlformats.org/officeDocument/2006/relationships">
-  <p:cSld>
-    <p:spTree>
-      <p:nvGrpSpPr>
-        <p:cNvPr id="1" name=""/>
-        <p:cNvGrpSpPr/>
-        <p:nvPr/>
-      </p:nvGrpSpPr>
-      <p:grpSpPr/>
-      <p:sp>
-        <p:nvSpPr>
-          <p:cNvPr id="2" name="Title 1"/>
-          <p:cNvSpPr>
-            <a:spLocks noGrp="1"/>
-          </p:cNvSpPr>
-          <p:nvPr>
-            <p:ph type="title"/>
-          </p:nvPr>
-        </p:nvSpPr>
-        <p:spPr/>
-        <p:txBody>
-          <a:bodyPr/>
-          <a:lstStyle/>
-          <a:p>
-            <a:pPr algn="ctr">
-              <a:defRPr sz="3600">
-                <a:solidFill>
-                  <a:srgbClr val="003366"/>
-                </a:solidFill>
-              </a:defRPr>
-            </a:pPr>
-            <a:r>
-              <a:t>Job Role and Responsibilities</a:t>
+              <a:t>Untitled</a:t>
             </a:r>
           </a:p>
         </p:txBody>
@@ -3191,375 +3124,6 @@
           </p:cNvSpPr>
           <p:nvPr>
             <p:ph idx="1"/>
-          </p:nvPr>
-        </p:nvSpPr>
-        <p:spPr/>
-        <p:txBody>
-          <a:bodyPr/>
-          <a:lstStyle/>
-          <a:p/>
-          <a:p>
-            <a:pPr>
-              <a:spcBef>
-                <a:spcPts val="1000"/>
-              </a:spcBef>
-              <a:spcAft>
-                <a:spcPts val="1000"/>
-              </a:spcAft>
-              <a:defRPr sz="2000">
-                <a:solidFill>
-                  <a:srgbClr val="333333"/>
-                </a:solidFill>
-              </a:defRPr>
-            </a:pPr>
-            <a:r>
-              <a:t>Expanding and consolidating existing R code bases</a:t>
-            </a:r>
-          </a:p>
-          <a:p>
-            <a:pPr>
-              <a:spcBef>
-                <a:spcPts val="1000"/>
-              </a:spcBef>
-              <a:spcAft>
-                <a:spcPts val="1000"/>
-              </a:spcAft>
-              <a:defRPr sz="2000">
-                <a:solidFill>
-                  <a:srgbClr val="333333"/>
-                </a:solidFill>
-              </a:defRPr>
-            </a:pPr>
-            <a:r>
-              <a:t>Writing unit tests and preparing packages for CRAN deployment</a:t>
-            </a:r>
-          </a:p>
-          <a:p>
-            <a:pPr>
-              <a:spcBef>
-                <a:spcPts val="1000"/>
-              </a:spcBef>
-              <a:spcAft>
-                <a:spcPts val="1000"/>
-              </a:spcAft>
-              <a:defRPr sz="2000">
-                <a:solidFill>
-                  <a:srgbClr val="333333"/>
-                </a:solidFill>
-              </a:defRPr>
-            </a:pPr>
-            <a:r>
-              <a:t>Expanding the documentation</a:t>
-            </a:r>
-          </a:p>
-        </p:txBody>
-      </p:sp>
-    </p:spTree>
-  </p:cSld>
-  <p:clrMapOvr>
-    <a:masterClrMapping/>
-  </p:clrMapOvr>
-</p:sld>
-</file>
-
-<file path=ppt/slides/slide3.xml><?xml version="1.0" encoding="utf-8"?>
-<p:sld xmlns:a="http://schemas.openxmlformats.org/drawingml/2006/main" xmlns:p="http://schemas.openxmlformats.org/presentationml/2006/main" xmlns:r="http://schemas.openxmlformats.org/officeDocument/2006/relationships">
-  <p:cSld>
-    <p:spTree>
-      <p:nvGrpSpPr>
-        <p:cNvPr id="1" name=""/>
-        <p:cNvGrpSpPr/>
-        <p:nvPr/>
-      </p:nvGrpSpPr>
-      <p:grpSpPr/>
-      <p:sp>
-        <p:nvSpPr>
-          <p:cNvPr id="2" name="Title 1"/>
-          <p:cNvSpPr>
-            <a:spLocks noGrp="1"/>
-          </p:cNvSpPr>
-          <p:nvPr>
-            <p:ph type="title"/>
-          </p:nvPr>
-        </p:nvSpPr>
-        <p:spPr/>
-        <p:txBody>
-          <a:bodyPr/>
-          <a:lstStyle/>
-          <a:p>
-            <a:pPr algn="ctr">
-              <a:defRPr sz="3600">
-                <a:solidFill>
-                  <a:srgbClr val="003366"/>
-                </a:solidFill>
-              </a:defRPr>
-            </a:pPr>
-            <a:r>
-              <a:t>Who We're Looking For</a:t>
-            </a:r>
-          </a:p>
-        </p:txBody>
-      </p:sp>
-      <p:sp>
-        <p:nvSpPr>
-          <p:cNvPr id="3" name="Content Placeholder 2"/>
-          <p:cNvSpPr>
-            <a:spLocks noGrp="1"/>
-          </p:cNvSpPr>
-          <p:nvPr>
-            <p:ph idx="1"/>
-          </p:nvPr>
-        </p:nvSpPr>
-        <p:spPr/>
-        <p:txBody>
-          <a:bodyPr/>
-          <a:lstStyle/>
-          <a:p/>
-          <a:p>
-            <a:pPr>
-              <a:spcBef>
-                <a:spcPts val="1000"/>
-              </a:spcBef>
-              <a:spcAft>
-                <a:spcPts val="1000"/>
-              </a:spcAft>
-              <a:defRPr sz="2000">
-                <a:solidFill>
-                  <a:srgbClr val="333333"/>
-                </a:solidFill>
-              </a:defRPr>
-            </a:pPr>
-            <a:r>
-              <a:t>Enrolled (at least 2nd year) in an empirical science or engineering degree</a:t>
-            </a:r>
-          </a:p>
-          <a:p>
-            <a:pPr>
-              <a:spcBef>
-                <a:spcPts val="1000"/>
-              </a:spcBef>
-              <a:spcAft>
-                <a:spcPts val="1000"/>
-              </a:spcAft>
-              <a:defRPr sz="2000">
-                <a:solidFill>
-                  <a:srgbClr val="333333"/>
-                </a:solidFill>
-              </a:defRPr>
-            </a:pPr>
-            <a:r>
-              <a:t>Fluent command of R and tidyverse</a:t>
-            </a:r>
-          </a:p>
-          <a:p>
-            <a:pPr>
-              <a:spcBef>
-                <a:spcPts val="1000"/>
-              </a:spcBef>
-              <a:spcAft>
-                <a:spcPts val="1000"/>
-              </a:spcAft>
-              <a:defRPr sz="2000">
-                <a:solidFill>
-                  <a:srgbClr val="333333"/>
-                </a:solidFill>
-              </a:defRPr>
-            </a:pPr>
-            <a:r>
-              <a:t>Experience in collaborative code development (git)</a:t>
-            </a:r>
-          </a:p>
-          <a:p>
-            <a:pPr>
-              <a:spcBef>
-                <a:spcPts val="1000"/>
-              </a:spcBef>
-              <a:spcAft>
-                <a:spcPts val="1000"/>
-              </a:spcAft>
-              <a:defRPr sz="2000">
-                <a:solidFill>
-                  <a:srgbClr val="333333"/>
-                </a:solidFill>
-              </a:defRPr>
-            </a:pPr>
-            <a:r>
-              <a:t>Good command of the English language</a:t>
-            </a:r>
-          </a:p>
-        </p:txBody>
-      </p:sp>
-    </p:spTree>
-  </p:cSld>
-  <p:clrMapOvr>
-    <a:masterClrMapping/>
-  </p:clrMapOvr>
-</p:sld>
-</file>
-
-<file path=ppt/slides/slide4.xml><?xml version="1.0" encoding="utf-8"?>
-<p:sld xmlns:a="http://schemas.openxmlformats.org/drawingml/2006/main" xmlns:p="http://schemas.openxmlformats.org/presentationml/2006/main" xmlns:r="http://schemas.openxmlformats.org/officeDocument/2006/relationships">
-  <p:cSld>
-    <p:spTree>
-      <p:nvGrpSpPr>
-        <p:cNvPr id="1" name=""/>
-        <p:cNvGrpSpPr/>
-        <p:nvPr/>
-      </p:nvGrpSpPr>
-      <p:grpSpPr/>
-      <p:sp>
-        <p:nvSpPr>
-          <p:cNvPr id="2" name="Title 1"/>
-          <p:cNvSpPr>
-            <a:spLocks noGrp="1"/>
-          </p:cNvSpPr>
-          <p:nvPr>
-            <p:ph type="title"/>
-          </p:nvPr>
-        </p:nvSpPr>
-        <p:spPr/>
-        <p:txBody>
-          <a:bodyPr/>
-          <a:lstStyle/>
-          <a:p>
-            <a:pPr algn="ctr">
-              <a:defRPr sz="3600">
-                <a:solidFill>
-                  <a:srgbClr val="003366"/>
-                </a:solidFill>
-              </a:defRPr>
-            </a:pPr>
-            <a:r>
-              <a:t>How to Apply</a:t>
-            </a:r>
-          </a:p>
-        </p:txBody>
-      </p:sp>
-      <p:sp>
-        <p:nvSpPr>
-          <p:cNvPr id="3" name="Content Placeholder 2"/>
-          <p:cNvSpPr>
-            <a:spLocks noGrp="1"/>
-          </p:cNvSpPr>
-          <p:nvPr>
-            <p:ph idx="1"/>
-          </p:nvPr>
-        </p:nvSpPr>
-        <p:spPr/>
-        <p:txBody>
-          <a:bodyPr/>
-          <a:lstStyle/>
-          <a:p/>
-          <a:p>
-            <a:pPr>
-              <a:spcBef>
-                <a:spcPts val="1000"/>
-              </a:spcBef>
-              <a:spcAft>
-                <a:spcPts val="1000"/>
-              </a:spcAft>
-              <a:defRPr sz="2000">
-                <a:solidFill>
-                  <a:srgbClr val="333333"/>
-                </a:solidFill>
-              </a:defRPr>
-            </a:pPr>
-            <a:r>
-              <a:t>Merge your cover letter, CV, transcript of records and any other documents into one PDF</a:t>
-            </a:r>
-          </a:p>
-          <a:p>
-            <a:pPr>
-              <a:spcBef>
-                <a:spcPts val="1000"/>
-              </a:spcBef>
-              <a:spcAft>
-                <a:spcPts val="1000"/>
-              </a:spcAft>
-              <a:defRPr sz="2000">
-                <a:solidFill>
-                  <a:srgbClr val="333333"/>
-                </a:solidFill>
-              </a:defRPr>
-            </a:pPr>
-            <a:r>
-              <a:t>Send them via email to caian.office@uni-bonn.de</a:t>
-            </a:r>
-          </a:p>
-          <a:p>
-            <a:pPr>
-              <a:spcBef>
-                <a:spcPts val="1000"/>
-              </a:spcBef>
-              <a:spcAft>
-                <a:spcPts val="1000"/>
-              </a:spcAft>
-              <a:defRPr sz="2000">
-                <a:solidFill>
-                  <a:srgbClr val="333333"/>
-                </a:solidFill>
-              </a:defRPr>
-            </a:pPr>
-            <a:r>
-              <a:t>Application deadline: 31 July 2025</a:t>
-            </a:r>
-          </a:p>
-        </p:txBody>
-      </p:sp>
-    </p:spTree>
-  </p:cSld>
-  <p:clrMapOvr>
-    <a:masterClrMapping/>
-  </p:clrMapOvr>
-</p:sld>
-</file>
-
-<file path=ppt/slides/slide5.xml><?xml version="1.0" encoding="utf-8"?>
-<p:sld xmlns:a="http://schemas.openxmlformats.org/drawingml/2006/main" xmlns:p="http://schemas.openxmlformats.org/presentationml/2006/main" xmlns:r="http://schemas.openxmlformats.org/officeDocument/2006/relationships">
-  <p:cSld>
-    <p:spTree>
-      <p:nvGrpSpPr>
-        <p:cNvPr id="1" name=""/>
-        <p:cNvGrpSpPr/>
-        <p:nvPr/>
-      </p:nvGrpSpPr>
-      <p:grpSpPr/>
-      <p:sp>
-        <p:nvSpPr>
-          <p:cNvPr id="2" name="Title 1"/>
-          <p:cNvSpPr>
-            <a:spLocks noGrp="1"/>
-          </p:cNvSpPr>
-          <p:nvPr>
-            <p:ph type="ctrTitle"/>
-          </p:nvPr>
-        </p:nvSpPr>
-        <p:spPr/>
-        <p:txBody>
-          <a:bodyPr/>
-          <a:lstStyle/>
-          <a:p>
-            <a:pPr algn="ctr">
-              <a:defRPr sz="3600">
-                <a:solidFill>
-                  <a:srgbClr val="003366"/>
-                </a:solidFill>
-              </a:defRPr>
-            </a:pPr>
-            <a:r>
-              <a:t>"The future belongs to those who believe in the beauty of their dreams." - Eleanor Roosevelt</a:t>
-            </a:r>
-          </a:p>
-        </p:txBody>
-      </p:sp>
-      <p:sp>
-        <p:nvSpPr>
-          <p:cNvPr id="3" name="Subtitle 2"/>
-          <p:cNvSpPr>
-            <a:spLocks noGrp="1"/>
-          </p:cNvSpPr>
-          <p:nvPr>
-            <p:ph type="subTitle" idx="1"/>
           </p:nvPr>
         </p:nvSpPr>
         <p:spPr/>

--- a/temp_files/presentation.pptx
+++ b/temp_files/presentation.pptx
@@ -6,6 +6,10 @@
   </p:sldMasterIdLst>
   <p:sldIdLst>
     <p:sldId id="256" r:id="rId7"/>
+    <p:sldId id="257" r:id="rId8"/>
+    <p:sldId id="258" r:id="rId9"/>
+    <p:sldId id="259" r:id="rId10"/>
+    <p:sldId id="260" r:id="rId11"/>
   </p:sldIdLst>
   <p:sldSz cx="12191695" cy="6858000" type="screen4x3"/>
   <p:notesSz cx="6858000" cy="9144000"/>
@@ -3095,7 +3099,7 @@
             <a:spLocks noGrp="1"/>
           </p:cNvSpPr>
           <p:nvPr>
-            <p:ph type="title"/>
+            <p:ph type="ctrTitle"/>
           </p:nvPr>
         </p:nvSpPr>
         <p:spPr/>
@@ -3111,7 +3115,70 @@
               </a:defRPr>
             </a:pPr>
             <a:r>
-              <a:t>Untitled</a:t>
+              <a:t>Introduction to "Scooby-Doo, Where Are You!"</a:t>
+            </a:r>
+          </a:p>
+        </p:txBody>
+      </p:sp>
+      <p:sp>
+        <p:nvSpPr>
+          <p:cNvPr id="3" name="Subtitle 2"/>
+          <p:cNvSpPr>
+            <a:spLocks noGrp="1"/>
+          </p:cNvSpPr>
+          <p:nvPr>
+            <p:ph type="subTitle" idx="1"/>
+          </p:nvPr>
+        </p:nvSpPr>
+        <p:spPr/>
+        <p:txBody>
+          <a:bodyPr/>
+          <a:lstStyle/>
+          <a:p/>
+        </p:txBody>
+      </p:sp>
+    </p:spTree>
+  </p:cSld>
+  <p:clrMapOvr>
+    <a:masterClrMapping/>
+  </p:clrMapOvr>
+</p:sld>
+</file>
+
+<file path=ppt/slides/slide2.xml><?xml version="1.0" encoding="utf-8"?>
+<p:sld xmlns:a="http://schemas.openxmlformats.org/drawingml/2006/main" xmlns:p="http://schemas.openxmlformats.org/presentationml/2006/main" xmlns:r="http://schemas.openxmlformats.org/officeDocument/2006/relationships">
+  <p:cSld>
+    <p:spTree>
+      <p:nvGrpSpPr>
+        <p:cNvPr id="1" name=""/>
+        <p:cNvGrpSpPr/>
+        <p:nvPr/>
+      </p:nvGrpSpPr>
+      <p:grpSpPr/>
+      <p:sp>
+        <p:nvSpPr>
+          <p:cNvPr id="2" name="Title 1"/>
+          <p:cNvSpPr>
+            <a:spLocks noGrp="1"/>
+          </p:cNvSpPr>
+          <p:nvPr>
+            <p:ph type="title"/>
+          </p:nvPr>
+        </p:nvSpPr>
+        <p:spPr/>
+        <p:txBody>
+          <a:bodyPr/>
+          <a:lstStyle/>
+          <a:p>
+            <a:pPr algn="ctr">
+              <a:defRPr sz="3600">
+                <a:solidFill>
+                  <a:srgbClr val="003366"/>
+                </a:solidFill>
+              </a:defRPr>
+            </a:pPr>
+            <a:r>
+              <a:t>The Iconic Characters</a:t>
             </a:r>
           </a:p>
         </p:txBody>
@@ -3124,6 +3191,374 @@
           </p:cNvSpPr>
           <p:nvPr>
             <p:ph idx="1"/>
+          </p:nvPr>
+        </p:nvSpPr>
+        <p:spPr/>
+        <p:txBody>
+          <a:bodyPr/>
+          <a:lstStyle/>
+          <a:p/>
+          <a:p>
+            <a:pPr>
+              <a:spcBef>
+                <a:spcPts val="1000"/>
+              </a:spcBef>
+              <a:spcAft>
+                <a:spcPts val="1000"/>
+              </a:spcAft>
+              <a:defRPr sz="2000">
+                <a:solidFill>
+                  <a:srgbClr val="333333"/>
+                </a:solidFill>
+              </a:defRPr>
+            </a:pPr>
+            <a:r>
+              <a:t>Scooby-Doo: The titular character, a Great Dane who loves food and has a knack for unintentionally solving mysteries.</a:t>
+            </a:r>
+          </a:p>
+          <a:p>
+            <a:pPr>
+              <a:spcBef>
+                <a:spcPts val="1000"/>
+              </a:spcBef>
+              <a:spcAft>
+                <a:spcPts val="1000"/>
+              </a:spcAft>
+              <a:defRPr sz="2000">
+                <a:solidFill>
+                  <a:srgbClr val="333333"/>
+                </a:solidFill>
+              </a:defRPr>
+            </a:pPr>
+            <a:r>
+              <a:t>Shaggy Rogers: Scooby's best friend, known for his insatiable appetite and tendency to scare easily.</a:t>
+            </a:r>
+          </a:p>
+          <a:p>
+            <a:pPr>
+              <a:spcBef>
+                <a:spcPts val="1000"/>
+              </a:spcBef>
+              <a:spcAft>
+                <a:spcPts val="1000"/>
+              </a:spcAft>
+              <a:defRPr sz="2000">
+                <a:solidFill>
+                  <a:srgbClr val="333333"/>
+                </a:solidFill>
+              </a:defRPr>
+            </a:pPr>
+            <a:r>
+              <a:t>Fred Jones: The leader of the gang who is known for his bravery and resourcefulness.</a:t>
+            </a:r>
+          </a:p>
+          <a:p>
+            <a:pPr>
+              <a:spcBef>
+                <a:spcPts val="1000"/>
+              </a:spcBef>
+              <a:spcAft>
+                <a:spcPts val="1000"/>
+              </a:spcAft>
+              <a:defRPr sz="2000">
+                <a:solidFill>
+                  <a:srgbClr val="333333"/>
+                </a:solidFill>
+              </a:defRPr>
+            </a:pPr>
+            <a:r>
+              <a:t>Daphne Blake: The fashion-conscious member of the group who often gets into danger but is also able to think on her feet.</a:t>
+            </a:r>
+          </a:p>
+          <a:p>
+            <a:pPr>
+              <a:spcBef>
+                <a:spcPts val="1000"/>
+              </a:spcBef>
+              <a:spcAft>
+                <a:spcPts val="1000"/>
+              </a:spcAft>
+              <a:defRPr sz="2000">
+                <a:solidFill>
+                  <a:srgbClr val="333333"/>
+                </a:solidFill>
+              </a:defRPr>
+            </a:pPr>
+            <a:r>
+              <a:t>Velma Dinkley: The brains of the group, she often finds the clues that lead to the solution of the mystery.</a:t>
+            </a:r>
+          </a:p>
+        </p:txBody>
+      </p:sp>
+    </p:spTree>
+  </p:cSld>
+  <p:clrMapOvr>
+    <a:masterClrMapping/>
+  </p:clrMapOvr>
+</p:sld>
+</file>
+
+<file path=ppt/slides/slide3.xml><?xml version="1.0" encoding="utf-8"?>
+<p:sld xmlns:a="http://schemas.openxmlformats.org/drawingml/2006/main" xmlns:p="http://schemas.openxmlformats.org/presentationml/2006/main" xmlns:r="http://schemas.openxmlformats.org/officeDocument/2006/relationships">
+  <p:cSld>
+    <p:spTree>
+      <p:nvGrpSpPr>
+        <p:cNvPr id="1" name=""/>
+        <p:cNvGrpSpPr/>
+        <p:nvPr/>
+      </p:nvGrpSpPr>
+      <p:grpSpPr/>
+      <p:sp>
+        <p:nvSpPr>
+          <p:cNvPr id="2" name="Title 1"/>
+          <p:cNvSpPr>
+            <a:spLocks noGrp="1"/>
+          </p:cNvSpPr>
+          <p:nvPr>
+            <p:ph type="ctrTitle"/>
+          </p:nvPr>
+        </p:nvSpPr>
+        <p:spPr/>
+        <p:txBody>
+          <a:bodyPr/>
+          <a:lstStyle/>
+          <a:p>
+            <a:pPr algn="ctr">
+              <a:defRPr sz="3600">
+                <a:solidFill>
+                  <a:srgbClr val="003366"/>
+                </a:solidFill>
+              </a:defRPr>
+            </a:pPr>
+            <a:r>
+              <a:t>The Mystery Machine</a:t>
+            </a:r>
+          </a:p>
+        </p:txBody>
+      </p:sp>
+      <p:sp>
+        <p:nvSpPr>
+          <p:cNvPr id="3" name="Subtitle 2"/>
+          <p:cNvSpPr>
+            <a:spLocks noGrp="1"/>
+          </p:cNvSpPr>
+          <p:nvPr>
+            <p:ph type="subTitle" idx="1"/>
+          </p:nvPr>
+        </p:nvSpPr>
+        <p:spPr/>
+        <p:txBody>
+          <a:bodyPr/>
+          <a:lstStyle/>
+          <a:p/>
+        </p:txBody>
+      </p:sp>
+      <p:sp>
+        <p:nvSpPr>
+          <p:cNvPr id="4" name="TextBox 3"/>
+          <p:cNvSpPr txBox="1"/>
+          <p:nvPr/>
+        </p:nvSpPr>
+        <p:spPr>
+          <a:xfrm>
+            <a:off x="7315200" y="1828800"/>
+            <a:ext cx="3657600" cy="2743200"/>
+          </a:xfrm>
+          <a:prstGeom prst="rect">
+            <a:avLst/>
+          </a:prstGeom>
+          <a:noFill/>
+        </p:spPr>
+        <p:txBody>
+          <a:bodyPr wrap="none">
+            <a:spAutoFit/>
+          </a:bodyPr>
+          <a:lstStyle/>
+          <a:p>
+            <a:pPr algn="ctr">
+              <a:defRPr sz="1800">
+                <a:solidFill>
+                  <a:srgbClr val="646464"/>
+                </a:solidFill>
+              </a:defRPr>
+            </a:pPr>
+            <a:r>
+              <a:t>Image Placeholder</a:t>
+            </a:r>
+          </a:p>
+        </p:txBody>
+      </p:sp>
+    </p:spTree>
+  </p:cSld>
+  <p:clrMapOvr>
+    <a:masterClrMapping/>
+  </p:clrMapOvr>
+</p:sld>
+</file>
+
+<file path=ppt/slides/slide4.xml><?xml version="1.0" encoding="utf-8"?>
+<p:sld xmlns:a="http://schemas.openxmlformats.org/drawingml/2006/main" xmlns:p="http://schemas.openxmlformats.org/presentationml/2006/main" xmlns:r="http://schemas.openxmlformats.org/officeDocument/2006/relationships">
+  <p:cSld>
+    <p:spTree>
+      <p:nvGrpSpPr>
+        <p:cNvPr id="1" name=""/>
+        <p:cNvGrpSpPr/>
+        <p:nvPr/>
+      </p:nvGrpSpPr>
+      <p:grpSpPr/>
+      <p:sp>
+        <p:nvSpPr>
+          <p:cNvPr id="2" name="Title 1"/>
+          <p:cNvSpPr>
+            <a:spLocks noGrp="1"/>
+          </p:cNvSpPr>
+          <p:nvPr>
+            <p:ph type="title"/>
+          </p:nvPr>
+        </p:nvSpPr>
+        <p:spPr/>
+        <p:txBody>
+          <a:bodyPr/>
+          <a:lstStyle/>
+          <a:p>
+            <a:pPr algn="ctr">
+              <a:defRPr sz="3600">
+                <a:solidFill>
+                  <a:srgbClr val="003366"/>
+                </a:solidFill>
+              </a:defRPr>
+            </a:pPr>
+            <a:r>
+              <a:t>The Show's Impact</a:t>
+            </a:r>
+          </a:p>
+        </p:txBody>
+      </p:sp>
+      <p:sp>
+        <p:nvSpPr>
+          <p:cNvPr id="3" name="Content Placeholder 2"/>
+          <p:cNvSpPr>
+            <a:spLocks noGrp="1"/>
+          </p:cNvSpPr>
+          <p:nvPr>
+            <p:ph idx="1"/>
+          </p:nvPr>
+        </p:nvSpPr>
+        <p:spPr/>
+        <p:txBody>
+          <a:bodyPr/>
+          <a:lstStyle/>
+          <a:p/>
+          <a:p>
+            <a:pPr>
+              <a:spcBef>
+                <a:spcPts val="1000"/>
+              </a:spcBef>
+              <a:spcAft>
+                <a:spcPts val="1000"/>
+              </a:spcAft>
+              <a:defRPr sz="2000">
+                <a:solidFill>
+                  <a:srgbClr val="333333"/>
+                </a:solidFill>
+              </a:defRPr>
+            </a:pPr>
+            <a:r>
+              <a:t>Popularized the mystery-solving genre in children's television.</a:t>
+            </a:r>
+          </a:p>
+          <a:p>
+            <a:pPr>
+              <a:spcBef>
+                <a:spcPts val="1000"/>
+              </a:spcBef>
+              <a:spcAft>
+                <a:spcPts val="1000"/>
+              </a:spcAft>
+              <a:defRPr sz="2000">
+                <a:solidFill>
+                  <a:srgbClr val="333333"/>
+                </a:solidFill>
+              </a:defRPr>
+            </a:pPr>
+            <a:r>
+              <a:t>Spawned numerous spin-offs and adaptations.</a:t>
+            </a:r>
+          </a:p>
+          <a:p>
+            <a:pPr>
+              <a:spcBef>
+                <a:spcPts val="1000"/>
+              </a:spcBef>
+              <a:spcAft>
+                <a:spcPts val="1000"/>
+              </a:spcAft>
+              <a:defRPr sz="2000">
+                <a:solidFill>
+                  <a:srgbClr val="333333"/>
+                </a:solidFill>
+              </a:defRPr>
+            </a:pPr>
+            <a:r>
+              <a:t>Created a beloved franchise that continues to this day.</a:t>
+            </a:r>
+          </a:p>
+        </p:txBody>
+      </p:sp>
+    </p:spTree>
+  </p:cSld>
+  <p:clrMapOvr>
+    <a:masterClrMapping/>
+  </p:clrMapOvr>
+</p:sld>
+</file>
+
+<file path=ppt/slides/slide5.xml><?xml version="1.0" encoding="utf-8"?>
+<p:sld xmlns:a="http://schemas.openxmlformats.org/drawingml/2006/main" xmlns:p="http://schemas.openxmlformats.org/presentationml/2006/main" xmlns:r="http://schemas.openxmlformats.org/officeDocument/2006/relationships">
+  <p:cSld>
+    <p:spTree>
+      <p:nvGrpSpPr>
+        <p:cNvPr id="1" name=""/>
+        <p:cNvGrpSpPr/>
+        <p:nvPr/>
+      </p:nvGrpSpPr>
+      <p:grpSpPr/>
+      <p:sp>
+        <p:nvSpPr>
+          <p:cNvPr id="2" name="Title 1"/>
+          <p:cNvSpPr>
+            <a:spLocks noGrp="1"/>
+          </p:cNvSpPr>
+          <p:nvPr>
+            <p:ph type="ctrTitle"/>
+          </p:nvPr>
+        </p:nvSpPr>
+        <p:spPr/>
+        <p:txBody>
+          <a:bodyPr/>
+          <a:lstStyle/>
+          <a:p>
+            <a:pPr algn="ctr">
+              <a:defRPr sz="3600">
+                <a:solidFill>
+                  <a:srgbClr val="003366"/>
+                </a:solidFill>
+              </a:defRPr>
+            </a:pPr>
+            <a:r>
+              <a:t>"Scooby-Doo, Where Are You!" Legacy</a:t>
+            </a:r>
+          </a:p>
+        </p:txBody>
+      </p:sp>
+      <p:sp>
+        <p:nvSpPr>
+          <p:cNvPr id="3" name="Subtitle 2"/>
+          <p:cNvSpPr>
+            <a:spLocks noGrp="1"/>
+          </p:cNvSpPr>
+          <p:nvPr>
+            <p:ph type="subTitle" idx="1"/>
           </p:nvPr>
         </p:nvSpPr>
         <p:spPr/>
